--- a/Nerd_Immunity_slides_200531.pptx
+++ b/Nerd_Immunity_slides_200531.pptx
@@ -5630,10 +5630,10 @@
       </p:grpSpPr>
       <p:pic>
         <p:nvPicPr>
-          <p:cNvPr id="2" name="Picture 1">
+          <p:cNvPr id="3" name="Picture 2">
             <a:extLst>
               <a:ext uri="{FF2B5EF4-FFF2-40B4-BE49-F238E27FC236}">
-                <a16:creationId xmlns:a16="http://schemas.microsoft.com/office/drawing/2014/main" id="{34524EEA-E0F6-4E89-9F72-A2E49461439D}"/>
+                <a16:creationId xmlns:a16="http://schemas.microsoft.com/office/drawing/2014/main" id="{C393D655-E480-45D7-9B79-38C0569AE54E}"/>
               </a:ext>
             </a:extLst>
           </p:cNvPr>
@@ -5650,8 +5650,8 @@
         </p:blipFill>
         <p:spPr>
           <a:xfrm>
-            <a:off x="119285" y="0"/>
-            <a:ext cx="11953430" cy="6858000"/>
+            <a:off x="24319" y="0"/>
+            <a:ext cx="12143362" cy="6858000"/>
           </a:xfrm>
           <a:prstGeom prst="rect">
             <a:avLst/>
